--- a/Concevez la solution technique d’un système de gestion.pptx
+++ b/Concevez la solution technique d’un système de gestion.pptx
@@ -213,7 +213,7 @@
           <a:p>
             <a:fld id="{EB6BB2DC-A089-41BF-845F-D561644CD202}" type="datetimeFigureOut">
               <a:rPr lang="fr-FR" smtClean="0"/>
-              <a:t>05/10/2019</a:t>
+              <a:t>12/10/2019</a:t>
             </a:fld>
             <a:endParaRPr lang="fr-FR"/>
           </a:p>
@@ -627,7 +627,7 @@
           <a:p>
             <a:fld id="{7352198B-6F57-4744-8CC2-AA8D2A9AE37E}" type="datetimeFigureOut">
               <a:rPr lang="fr-FR" smtClean="0"/>
-              <a:t>05/10/2019</a:t>
+              <a:t>12/10/2019</a:t>
             </a:fld>
             <a:endParaRPr lang="fr-FR"/>
           </a:p>
@@ -825,7 +825,7 @@
           <a:p>
             <a:fld id="{7352198B-6F57-4744-8CC2-AA8D2A9AE37E}" type="datetimeFigureOut">
               <a:rPr lang="fr-FR" smtClean="0"/>
-              <a:t>05/10/2019</a:t>
+              <a:t>12/10/2019</a:t>
             </a:fld>
             <a:endParaRPr lang="fr-FR"/>
           </a:p>
@@ -1033,7 +1033,7 @@
           <a:p>
             <a:fld id="{7352198B-6F57-4744-8CC2-AA8D2A9AE37E}" type="datetimeFigureOut">
               <a:rPr lang="fr-FR" smtClean="0"/>
-              <a:t>05/10/2019</a:t>
+              <a:t>12/10/2019</a:t>
             </a:fld>
             <a:endParaRPr lang="fr-FR"/>
           </a:p>
@@ -1231,7 +1231,7 @@
           <a:p>
             <a:fld id="{7352198B-6F57-4744-8CC2-AA8D2A9AE37E}" type="datetimeFigureOut">
               <a:rPr lang="fr-FR" smtClean="0"/>
-              <a:t>05/10/2019</a:t>
+              <a:t>12/10/2019</a:t>
             </a:fld>
             <a:endParaRPr lang="fr-FR"/>
           </a:p>
@@ -1506,7 +1506,7 @@
           <a:p>
             <a:fld id="{7352198B-6F57-4744-8CC2-AA8D2A9AE37E}" type="datetimeFigureOut">
               <a:rPr lang="fr-FR" smtClean="0"/>
-              <a:t>05/10/2019</a:t>
+              <a:t>12/10/2019</a:t>
             </a:fld>
             <a:endParaRPr lang="fr-FR"/>
           </a:p>
@@ -1771,7 +1771,7 @@
           <a:p>
             <a:fld id="{7352198B-6F57-4744-8CC2-AA8D2A9AE37E}" type="datetimeFigureOut">
               <a:rPr lang="fr-FR" smtClean="0"/>
-              <a:t>05/10/2019</a:t>
+              <a:t>12/10/2019</a:t>
             </a:fld>
             <a:endParaRPr lang="fr-FR"/>
           </a:p>
@@ -2183,7 +2183,7 @@
           <a:p>
             <a:fld id="{7352198B-6F57-4744-8CC2-AA8D2A9AE37E}" type="datetimeFigureOut">
               <a:rPr lang="fr-FR" smtClean="0"/>
-              <a:t>05/10/2019</a:t>
+              <a:t>12/10/2019</a:t>
             </a:fld>
             <a:endParaRPr lang="fr-FR"/>
           </a:p>
@@ -2324,7 +2324,7 @@
           <a:p>
             <a:fld id="{7352198B-6F57-4744-8CC2-AA8D2A9AE37E}" type="datetimeFigureOut">
               <a:rPr lang="fr-FR" smtClean="0"/>
-              <a:t>05/10/2019</a:t>
+              <a:t>12/10/2019</a:t>
             </a:fld>
             <a:endParaRPr lang="fr-FR"/>
           </a:p>
@@ -2437,7 +2437,7 @@
           <a:p>
             <a:fld id="{7352198B-6F57-4744-8CC2-AA8D2A9AE37E}" type="datetimeFigureOut">
               <a:rPr lang="fr-FR" smtClean="0"/>
-              <a:t>05/10/2019</a:t>
+              <a:t>12/10/2019</a:t>
             </a:fld>
             <a:endParaRPr lang="fr-FR"/>
           </a:p>
@@ -2748,7 +2748,7 @@
           <a:p>
             <a:fld id="{7352198B-6F57-4744-8CC2-AA8D2A9AE37E}" type="datetimeFigureOut">
               <a:rPr lang="fr-FR" smtClean="0"/>
-              <a:t>05/10/2019</a:t>
+              <a:t>12/10/2019</a:t>
             </a:fld>
             <a:endParaRPr lang="fr-FR"/>
           </a:p>
@@ -3036,7 +3036,7 @@
           <a:p>
             <a:fld id="{7352198B-6F57-4744-8CC2-AA8D2A9AE37E}" type="datetimeFigureOut">
               <a:rPr lang="fr-FR" smtClean="0"/>
-              <a:t>05/10/2019</a:t>
+              <a:t>12/10/2019</a:t>
             </a:fld>
             <a:endParaRPr lang="fr-FR"/>
           </a:p>
@@ -3277,7 +3277,7 @@
           <a:p>
             <a:fld id="{7352198B-6F57-4744-8CC2-AA8D2A9AE37E}" type="datetimeFigureOut">
               <a:rPr lang="fr-FR" smtClean="0"/>
-              <a:t>05/10/2019</a:t>
+              <a:t>12/10/2019</a:t>
             </a:fld>
             <a:endParaRPr lang="fr-FR"/>
           </a:p>
@@ -4811,21 +4811,67 @@
           <a:chExt cx="0" cy="0"/>
         </a:xfrm>
       </p:grpSpPr>
+      <p:sp>
+        <p:nvSpPr>
+          <p:cNvPr id="6" name="Titre 5">
+            <a:extLst>
+              <a:ext uri="{FF2B5EF4-FFF2-40B4-BE49-F238E27FC236}">
+                <a16:creationId xmlns:a16="http://schemas.microsoft.com/office/drawing/2014/main" id="{95A311D0-A6FE-4918-8355-9896AB958AD2}"/>
+              </a:ext>
+            </a:extLst>
+          </p:cNvPr>
+          <p:cNvSpPr>
+            <a:spLocks noGrp="1"/>
+          </p:cNvSpPr>
+          <p:nvPr>
+            <p:ph type="title"/>
+          </p:nvPr>
+        </p:nvSpPr>
+        <p:spPr/>
+        <p:txBody>
+          <a:bodyPr/>
+          <a:lstStyle/>
+          <a:p>
+            <a:endParaRPr lang="fr-FR"/>
+          </a:p>
+        </p:txBody>
+      </p:sp>
+      <p:sp>
+        <p:nvSpPr>
+          <p:cNvPr id="3" name="Espace réservé du contenu 2">
+            <a:extLst>
+              <a:ext uri="{FF2B5EF4-FFF2-40B4-BE49-F238E27FC236}">
+                <a16:creationId xmlns:a16="http://schemas.microsoft.com/office/drawing/2014/main" id="{92322DFE-0E0B-4C1F-BF61-FDFA396EC242}"/>
+              </a:ext>
+            </a:extLst>
+          </p:cNvPr>
+          <p:cNvSpPr>
+            <a:spLocks noGrp="1"/>
+          </p:cNvSpPr>
+          <p:nvPr>
+            <p:ph idx="1"/>
+          </p:nvPr>
+        </p:nvSpPr>
+        <p:spPr/>
+        <p:txBody>
+          <a:bodyPr/>
+          <a:lstStyle/>
+          <a:p>
+            <a:endParaRPr lang="fr-FR"/>
+          </a:p>
+        </p:txBody>
+      </p:sp>
       <p:pic>
         <p:nvPicPr>
-          <p:cNvPr id="8" name="Espace réservé du contenu 7">
-            <a:extLst>
-              <a:ext uri="{FF2B5EF4-FFF2-40B4-BE49-F238E27FC236}">
-                <a16:creationId xmlns:a16="http://schemas.microsoft.com/office/drawing/2014/main" id="{991646C1-C799-4011-A5FF-3AA5520980E5}"/>
-              </a:ext>
-            </a:extLst>
-          </p:cNvPr>
-          <p:cNvPicPr>
-            <a:picLocks noGrp="1" noChangeAspect="1"/>
-          </p:cNvPicPr>
-          <p:nvPr>
-            <p:ph idx="1"/>
-          </p:nvPr>
+          <p:cNvPr id="7" name="Image 6">
+            <a:extLst>
+              <a:ext uri="{FF2B5EF4-FFF2-40B4-BE49-F238E27FC236}">
+                <a16:creationId xmlns:a16="http://schemas.microsoft.com/office/drawing/2014/main" id="{95ABF07D-CC95-47F4-8A8F-87026B614696}"/>
+              </a:ext>
+            </a:extLst>
+          </p:cNvPr>
+          <p:cNvPicPr/>
+          <p:nvPr/>
         </p:nvPicPr>
         <p:blipFill>
           <a:blip r:embed="rId2">
@@ -4841,36 +4887,14 @@
         </p:blipFill>
         <p:spPr>
           <a:xfrm>
-            <a:off x="1602429" y="48772"/>
-            <a:ext cx="7970942" cy="6760456"/>
+            <a:off x="2154803" y="103366"/>
+            <a:ext cx="7585545" cy="6754633"/>
           </a:xfrm>
+          <a:prstGeom prst="rect">
+            <a:avLst/>
+          </a:prstGeom>
         </p:spPr>
       </p:pic>
-      <p:sp>
-        <p:nvSpPr>
-          <p:cNvPr id="6" name="Titre 5">
-            <a:extLst>
-              <a:ext uri="{FF2B5EF4-FFF2-40B4-BE49-F238E27FC236}">
-                <a16:creationId xmlns:a16="http://schemas.microsoft.com/office/drawing/2014/main" id="{95A311D0-A6FE-4918-8355-9896AB958AD2}"/>
-              </a:ext>
-            </a:extLst>
-          </p:cNvPr>
-          <p:cNvSpPr>
-            <a:spLocks noGrp="1"/>
-          </p:cNvSpPr>
-          <p:nvPr>
-            <p:ph type="title"/>
-          </p:nvPr>
-        </p:nvSpPr>
-        <p:spPr/>
-        <p:txBody>
-          <a:bodyPr/>
-          <a:lstStyle/>
-          <a:p>
-            <a:endParaRPr lang="fr-FR"/>
-          </a:p>
-        </p:txBody>
-      </p:sp>
     </p:spTree>
     <p:extLst>
       <p:ext uri="{BB962C8B-B14F-4D97-AF65-F5344CB8AC3E}">
@@ -6026,10 +6050,10 @@
       </p:sp>
       <p:pic>
         <p:nvPicPr>
-          <p:cNvPr id="1026" name="Picture 2">
-            <a:extLst>
-              <a:ext uri="{FF2B5EF4-FFF2-40B4-BE49-F238E27FC236}">
-                <a16:creationId xmlns:a16="http://schemas.microsoft.com/office/drawing/2014/main" id="{C4FEDC11-3F2E-4D65-9146-53C24FC2EF4F}"/>
+          <p:cNvPr id="3" name="Picture 2">
+            <a:extLst>
+              <a:ext uri="{FF2B5EF4-FFF2-40B4-BE49-F238E27FC236}">
+                <a16:creationId xmlns:a16="http://schemas.microsoft.com/office/drawing/2014/main" id="{B552BD95-E254-4018-8808-F5EEA7382D79}"/>
               </a:ext>
             </a:extLst>
           </p:cNvPr>
@@ -6053,8 +6077,8 @@
         </p:blipFill>
         <p:spPr bwMode="auto">
           <a:xfrm>
-            <a:off x="3419061" y="1825625"/>
-            <a:ext cx="4517914" cy="4862739"/>
+            <a:off x="3460340" y="1948070"/>
+            <a:ext cx="4568864" cy="4909930"/>
           </a:xfrm>
           <a:prstGeom prst="rect">
             <a:avLst/>
@@ -6299,7 +6323,7 @@
           <p:cNvPr id="2050" name="Picture 2">
             <a:extLst>
               <a:ext uri="{FF2B5EF4-FFF2-40B4-BE49-F238E27FC236}">
-                <a16:creationId xmlns:a16="http://schemas.microsoft.com/office/drawing/2014/main" id="{9DD6924C-E627-41C2-9F7B-DFBB46757568}"/>
+                <a16:creationId xmlns:a16="http://schemas.microsoft.com/office/drawing/2014/main" id="{4E0A20CC-2555-4838-B481-6667D574980C}"/>
               </a:ext>
             </a:extLst>
           </p:cNvPr>
@@ -6323,8 +6347,8 @@
         </p:blipFill>
         <p:spPr bwMode="auto">
           <a:xfrm>
-            <a:off x="2623929" y="1727172"/>
-            <a:ext cx="6080981" cy="5130828"/>
+            <a:off x="2828080" y="1825625"/>
+            <a:ext cx="5964296" cy="5032375"/>
           </a:xfrm>
           <a:prstGeom prst="rect">
             <a:avLst/>
@@ -6399,12 +6423,37 @@
           </a:p>
         </p:txBody>
       </p:sp>
+      <p:sp>
+        <p:nvSpPr>
+          <p:cNvPr id="7" name="Titre 6">
+            <a:extLst>
+              <a:ext uri="{FF2B5EF4-FFF2-40B4-BE49-F238E27FC236}">
+                <a16:creationId xmlns:a16="http://schemas.microsoft.com/office/drawing/2014/main" id="{4C5D5297-079E-4F82-B2A2-B9DA9AC06BAA}"/>
+              </a:ext>
+            </a:extLst>
+          </p:cNvPr>
+          <p:cNvSpPr>
+            <a:spLocks noGrp="1"/>
+          </p:cNvSpPr>
+          <p:nvPr>
+            <p:ph type="title"/>
+          </p:nvPr>
+        </p:nvSpPr>
+        <p:spPr/>
+        <p:txBody>
+          <a:bodyPr/>
+          <a:lstStyle/>
+          <a:p>
+            <a:endParaRPr lang="fr-FR"/>
+          </a:p>
+        </p:txBody>
+      </p:sp>
       <p:pic>
         <p:nvPicPr>
-          <p:cNvPr id="3074" name="Picture 2">
-            <a:extLst>
-              <a:ext uri="{FF2B5EF4-FFF2-40B4-BE49-F238E27FC236}">
-                <a16:creationId xmlns:a16="http://schemas.microsoft.com/office/drawing/2014/main" id="{69679BA6-D403-4B54-8970-0F277E8B53EE}"/>
+          <p:cNvPr id="1026" name="Picture 2">
+            <a:extLst>
+              <a:ext uri="{FF2B5EF4-FFF2-40B4-BE49-F238E27FC236}">
+                <a16:creationId xmlns:a16="http://schemas.microsoft.com/office/drawing/2014/main" id="{2C0CE56B-67A3-495A-A83E-D2E35C5B80C9}"/>
               </a:ext>
             </a:extLst>
           </p:cNvPr>
@@ -6446,31 +6495,6 @@
           </a:extLst>
         </p:spPr>
       </p:pic>
-      <p:sp>
-        <p:nvSpPr>
-          <p:cNvPr id="7" name="Titre 6">
-            <a:extLst>
-              <a:ext uri="{FF2B5EF4-FFF2-40B4-BE49-F238E27FC236}">
-                <a16:creationId xmlns:a16="http://schemas.microsoft.com/office/drawing/2014/main" id="{4C5D5297-079E-4F82-B2A2-B9DA9AC06BAA}"/>
-              </a:ext>
-            </a:extLst>
-          </p:cNvPr>
-          <p:cNvSpPr>
-            <a:spLocks noGrp="1"/>
-          </p:cNvSpPr>
-          <p:nvPr>
-            <p:ph type="title"/>
-          </p:nvPr>
-        </p:nvSpPr>
-        <p:spPr/>
-        <p:txBody>
-          <a:bodyPr/>
-          <a:lstStyle/>
-          <a:p>
-            <a:endParaRPr lang="fr-FR"/>
-          </a:p>
-        </p:txBody>
-      </p:sp>
     </p:spTree>
     <p:extLst>
       <p:ext uri="{BB962C8B-B14F-4D97-AF65-F5344CB8AC3E}">

--- a/Concevez la solution technique d’un système de gestion.pptx
+++ b/Concevez la solution technique d’un système de gestion.pptx
@@ -15,16 +15,16 @@
     <p:sldId id="260" r:id="rId6"/>
     <p:sldId id="261" r:id="rId7"/>
     <p:sldId id="262" r:id="rId8"/>
-    <p:sldId id="263" r:id="rId9"/>
+    <p:sldId id="277" r:id="rId9"/>
     <p:sldId id="264" r:id="rId10"/>
     <p:sldId id="265" r:id="rId11"/>
     <p:sldId id="267" r:id="rId12"/>
     <p:sldId id="268" r:id="rId13"/>
-    <p:sldId id="269" r:id="rId14"/>
+    <p:sldId id="276" r:id="rId14"/>
     <p:sldId id="270" r:id="rId15"/>
-    <p:sldId id="272" r:id="rId16"/>
+    <p:sldId id="275" r:id="rId16"/>
     <p:sldId id="271" r:id="rId17"/>
-    <p:sldId id="273" r:id="rId18"/>
+    <p:sldId id="274" r:id="rId18"/>
   </p:sldIdLst>
   <p:sldSz cx="12192000" cy="6858000"/>
   <p:notesSz cx="6858000" cy="9144000"/>
@@ -213,7 +213,7 @@
           <a:p>
             <a:fld id="{EB6BB2DC-A089-41BF-845F-D561644CD202}" type="datetimeFigureOut">
               <a:rPr lang="fr-FR" smtClean="0"/>
-              <a:t>12/10/2019</a:t>
+              <a:t>20/10/2019</a:t>
             </a:fld>
             <a:endParaRPr lang="fr-FR"/>
           </a:p>
@@ -627,7 +627,7 @@
           <a:p>
             <a:fld id="{7352198B-6F57-4744-8CC2-AA8D2A9AE37E}" type="datetimeFigureOut">
               <a:rPr lang="fr-FR" smtClean="0"/>
-              <a:t>12/10/2019</a:t>
+              <a:t>20/10/2019</a:t>
             </a:fld>
             <a:endParaRPr lang="fr-FR"/>
           </a:p>
@@ -825,7 +825,7 @@
           <a:p>
             <a:fld id="{7352198B-6F57-4744-8CC2-AA8D2A9AE37E}" type="datetimeFigureOut">
               <a:rPr lang="fr-FR" smtClean="0"/>
-              <a:t>12/10/2019</a:t>
+              <a:t>20/10/2019</a:t>
             </a:fld>
             <a:endParaRPr lang="fr-FR"/>
           </a:p>
@@ -1033,7 +1033,7 @@
           <a:p>
             <a:fld id="{7352198B-6F57-4744-8CC2-AA8D2A9AE37E}" type="datetimeFigureOut">
               <a:rPr lang="fr-FR" smtClean="0"/>
-              <a:t>12/10/2019</a:t>
+              <a:t>20/10/2019</a:t>
             </a:fld>
             <a:endParaRPr lang="fr-FR"/>
           </a:p>
@@ -1231,7 +1231,7 @@
           <a:p>
             <a:fld id="{7352198B-6F57-4744-8CC2-AA8D2A9AE37E}" type="datetimeFigureOut">
               <a:rPr lang="fr-FR" smtClean="0"/>
-              <a:t>12/10/2019</a:t>
+              <a:t>20/10/2019</a:t>
             </a:fld>
             <a:endParaRPr lang="fr-FR"/>
           </a:p>
@@ -1506,7 +1506,7 @@
           <a:p>
             <a:fld id="{7352198B-6F57-4744-8CC2-AA8D2A9AE37E}" type="datetimeFigureOut">
               <a:rPr lang="fr-FR" smtClean="0"/>
-              <a:t>12/10/2019</a:t>
+              <a:t>20/10/2019</a:t>
             </a:fld>
             <a:endParaRPr lang="fr-FR"/>
           </a:p>
@@ -1771,7 +1771,7 @@
           <a:p>
             <a:fld id="{7352198B-6F57-4744-8CC2-AA8D2A9AE37E}" type="datetimeFigureOut">
               <a:rPr lang="fr-FR" smtClean="0"/>
-              <a:t>12/10/2019</a:t>
+              <a:t>20/10/2019</a:t>
             </a:fld>
             <a:endParaRPr lang="fr-FR"/>
           </a:p>
@@ -2183,7 +2183,7 @@
           <a:p>
             <a:fld id="{7352198B-6F57-4744-8CC2-AA8D2A9AE37E}" type="datetimeFigureOut">
               <a:rPr lang="fr-FR" smtClean="0"/>
-              <a:t>12/10/2019</a:t>
+              <a:t>20/10/2019</a:t>
             </a:fld>
             <a:endParaRPr lang="fr-FR"/>
           </a:p>
@@ -2324,7 +2324,7 @@
           <a:p>
             <a:fld id="{7352198B-6F57-4744-8CC2-AA8D2A9AE37E}" type="datetimeFigureOut">
               <a:rPr lang="fr-FR" smtClean="0"/>
-              <a:t>12/10/2019</a:t>
+              <a:t>20/10/2019</a:t>
             </a:fld>
             <a:endParaRPr lang="fr-FR"/>
           </a:p>
@@ -2437,7 +2437,7 @@
           <a:p>
             <a:fld id="{7352198B-6F57-4744-8CC2-AA8D2A9AE37E}" type="datetimeFigureOut">
               <a:rPr lang="fr-FR" smtClean="0"/>
-              <a:t>12/10/2019</a:t>
+              <a:t>20/10/2019</a:t>
             </a:fld>
             <a:endParaRPr lang="fr-FR"/>
           </a:p>
@@ -2748,7 +2748,7 @@
           <a:p>
             <a:fld id="{7352198B-6F57-4744-8CC2-AA8D2A9AE37E}" type="datetimeFigureOut">
               <a:rPr lang="fr-FR" smtClean="0"/>
-              <a:t>12/10/2019</a:t>
+              <a:t>20/10/2019</a:t>
             </a:fld>
             <a:endParaRPr lang="fr-FR"/>
           </a:p>
@@ -3036,7 +3036,7 @@
           <a:p>
             <a:fld id="{7352198B-6F57-4744-8CC2-AA8D2A9AE37E}" type="datetimeFigureOut">
               <a:rPr lang="fr-FR" smtClean="0"/>
-              <a:t>12/10/2019</a:t>
+              <a:t>20/10/2019</a:t>
             </a:fld>
             <a:endParaRPr lang="fr-FR"/>
           </a:p>
@@ -3277,7 +3277,7 @@
           <a:p>
             <a:fld id="{7352198B-6F57-4744-8CC2-AA8D2A9AE37E}" type="datetimeFigureOut">
               <a:rPr lang="fr-FR" smtClean="0"/>
-              <a:t>12/10/2019</a:t>
+              <a:t>20/10/2019</a:t>
             </a:fld>
             <a:endParaRPr lang="fr-FR"/>
           </a:p>
@@ -4811,62 +4811,12 @@
           <a:chExt cx="0" cy="0"/>
         </a:xfrm>
       </p:grpSpPr>
-      <p:sp>
-        <p:nvSpPr>
-          <p:cNvPr id="6" name="Titre 5">
-            <a:extLst>
-              <a:ext uri="{FF2B5EF4-FFF2-40B4-BE49-F238E27FC236}">
-                <a16:creationId xmlns:a16="http://schemas.microsoft.com/office/drawing/2014/main" id="{95A311D0-A6FE-4918-8355-9896AB958AD2}"/>
-              </a:ext>
-            </a:extLst>
-          </p:cNvPr>
-          <p:cNvSpPr>
-            <a:spLocks noGrp="1"/>
-          </p:cNvSpPr>
-          <p:nvPr>
-            <p:ph type="title"/>
-          </p:nvPr>
-        </p:nvSpPr>
-        <p:spPr/>
-        <p:txBody>
-          <a:bodyPr/>
-          <a:lstStyle/>
-          <a:p>
-            <a:endParaRPr lang="fr-FR"/>
-          </a:p>
-        </p:txBody>
-      </p:sp>
-      <p:sp>
-        <p:nvSpPr>
-          <p:cNvPr id="3" name="Espace réservé du contenu 2">
-            <a:extLst>
-              <a:ext uri="{FF2B5EF4-FFF2-40B4-BE49-F238E27FC236}">
-                <a16:creationId xmlns:a16="http://schemas.microsoft.com/office/drawing/2014/main" id="{92322DFE-0E0B-4C1F-BF61-FDFA396EC242}"/>
-              </a:ext>
-            </a:extLst>
-          </p:cNvPr>
-          <p:cNvSpPr>
-            <a:spLocks noGrp="1"/>
-          </p:cNvSpPr>
-          <p:nvPr>
-            <p:ph idx="1"/>
-          </p:nvPr>
-        </p:nvSpPr>
-        <p:spPr/>
-        <p:txBody>
-          <a:bodyPr/>
-          <a:lstStyle/>
-          <a:p>
-            <a:endParaRPr lang="fr-FR"/>
-          </a:p>
-        </p:txBody>
-      </p:sp>
       <p:pic>
         <p:nvPicPr>
-          <p:cNvPr id="7" name="Image 6">
-            <a:extLst>
-              <a:ext uri="{FF2B5EF4-FFF2-40B4-BE49-F238E27FC236}">
-                <a16:creationId xmlns:a16="http://schemas.microsoft.com/office/drawing/2014/main" id="{95ABF07D-CC95-47F4-8A8F-87026B614696}"/>
+          <p:cNvPr id="3" name="Image 2">
+            <a:extLst>
+              <a:ext uri="{FF2B5EF4-FFF2-40B4-BE49-F238E27FC236}">
+                <a16:creationId xmlns:a16="http://schemas.microsoft.com/office/drawing/2014/main" id="{FB8EF9B9-222C-48A3-8FBB-E0E60E16DD5C}"/>
               </a:ext>
             </a:extLst>
           </p:cNvPr>
@@ -4898,7 +4848,7 @@
     </p:spTree>
     <p:extLst>
       <p:ext uri="{BB962C8B-B14F-4D97-AF65-F5344CB8AC3E}">
-        <p14:creationId xmlns:p14="http://schemas.microsoft.com/office/powerpoint/2010/main" val="1033059462"/>
+        <p14:creationId xmlns:p14="http://schemas.microsoft.com/office/powerpoint/2010/main" val="3541864159"/>
       </p:ext>
     </p:extLst>
   </p:cSld>
@@ -5145,46 +5095,19 @@
           <a:chExt cx="0" cy="0"/>
         </a:xfrm>
       </p:grpSpPr>
-      <p:sp>
-        <p:nvSpPr>
-          <p:cNvPr id="5" name="Titre 4">
-            <a:extLst>
-              <a:ext uri="{FF2B5EF4-FFF2-40B4-BE49-F238E27FC236}">
-                <a16:creationId xmlns:a16="http://schemas.microsoft.com/office/drawing/2014/main" id="{00218B67-CF71-4138-BAC5-0D9B2E5467AB}"/>
-              </a:ext>
-            </a:extLst>
-          </p:cNvPr>
-          <p:cNvSpPr>
-            <a:spLocks noGrp="1"/>
-          </p:cNvSpPr>
-          <p:nvPr>
-            <p:ph type="title"/>
-          </p:nvPr>
-        </p:nvSpPr>
-        <p:spPr/>
-        <p:txBody>
-          <a:bodyPr/>
-          <a:lstStyle/>
-          <a:p>
-            <a:endParaRPr lang="fr-FR"/>
-          </a:p>
-        </p:txBody>
-      </p:sp>
       <p:pic>
         <p:nvPicPr>
-          <p:cNvPr id="9" name="Espace réservé du contenu 8">
-            <a:extLst>
-              <a:ext uri="{FF2B5EF4-FFF2-40B4-BE49-F238E27FC236}">
-                <a16:creationId xmlns:a16="http://schemas.microsoft.com/office/drawing/2014/main" id="{2BFD3600-70FF-43CA-B594-6D98D0830167}"/>
+          <p:cNvPr id="3" name="Image 2">
+            <a:extLst>
+              <a:ext uri="{FF2B5EF4-FFF2-40B4-BE49-F238E27FC236}">
+                <a16:creationId xmlns:a16="http://schemas.microsoft.com/office/drawing/2014/main" id="{BC1B8FC5-479F-4FAA-8B7E-6F09D1CE19BD}"/>
               </a:ext>
             </a:extLst>
           </p:cNvPr>
           <p:cNvPicPr>
-            <a:picLocks noGrp="1" noChangeAspect="1"/>
+            <a:picLocks noChangeAspect="1"/>
           </p:cNvPicPr>
-          <p:nvPr>
-            <p:ph idx="1"/>
-          </p:nvPr>
+          <p:nvPr/>
         </p:nvPicPr>
         <p:blipFill>
           <a:blip r:embed="rId2">
@@ -5200,15 +5123,18 @@
         </p:blipFill>
         <p:spPr>
           <a:xfrm>
-            <a:off x="1140270" y="0"/>
-            <a:ext cx="8390448" cy="6774511"/>
+            <a:off x="1849073" y="0"/>
+            <a:ext cx="8493854" cy="6858000"/>
           </a:xfrm>
+          <a:prstGeom prst="rect">
+            <a:avLst/>
+          </a:prstGeom>
         </p:spPr>
       </p:pic>
     </p:spTree>
     <p:extLst>
       <p:ext uri="{BB962C8B-B14F-4D97-AF65-F5344CB8AC3E}">
-        <p14:creationId xmlns:p14="http://schemas.microsoft.com/office/powerpoint/2010/main" val="1536479949"/>
+        <p14:creationId xmlns:p14="http://schemas.microsoft.com/office/powerpoint/2010/main" val="1556669469"/>
       </p:ext>
     </p:extLst>
   </p:cSld>
@@ -5326,7 +5252,9 @@
           </a:fontRef>
         </p:style>
         <p:txBody>
-          <a:bodyPr/>
+          <a:bodyPr>
+            <a:normAutofit lnSpcReduction="10000"/>
+          </a:bodyPr>
           <a:lstStyle/>
           <a:p>
             <a:r>
@@ -5343,7 +5271,15 @@
           <a:p>
             <a:r>
               <a:rPr lang="fr-FR" dirty="0"/>
-              <a:t>Interface web dans un WAR sur Tomcat:8080 sous S3/UNIX </a:t>
+              <a:t>Fichiers du site web dans un </a:t>
+            </a:r>
+            <a:r>
+              <a:rPr lang="fr-FR" dirty="0" err="1"/>
+              <a:t>bucket</a:t>
+            </a:r>
+            <a:r>
+              <a:rPr lang="fr-FR" dirty="0"/>
+              <a:t> sous Amazon S3 </a:t>
             </a:r>
           </a:p>
           <a:p>
@@ -5359,13 +5295,13 @@
             </a:r>
             <a:r>
               <a:rPr lang="fr-FR" dirty="0"/>
-              <a:t> dans des JAR sur Tomcat:8080 sous EC2/UNIX</a:t>
+              <a:t>  WAR déployés sur Tomcat:8080 sous EC2/Alpine JRE 11</a:t>
             </a:r>
           </a:p>
           <a:p>
             <a:r>
               <a:rPr lang="fr-FR" dirty="0"/>
-              <a:t>Interface avec le système bancaire</a:t>
+              <a:t>Interface externe avec le système bancaire</a:t>
             </a:r>
           </a:p>
         </p:txBody>
@@ -5400,67 +5336,17 @@
           <a:chExt cx="0" cy="0"/>
         </a:xfrm>
       </p:grpSpPr>
-      <p:sp>
-        <p:nvSpPr>
-          <p:cNvPr id="4" name="Titre 3">
-            <a:extLst>
-              <a:ext uri="{FF2B5EF4-FFF2-40B4-BE49-F238E27FC236}">
-                <a16:creationId xmlns:a16="http://schemas.microsoft.com/office/drawing/2014/main" id="{C562FD35-D9C7-4B1F-B2DD-D5CCC3E29A3E}"/>
-              </a:ext>
-            </a:extLst>
-          </p:cNvPr>
-          <p:cNvSpPr>
-            <a:spLocks noGrp="1"/>
-          </p:cNvSpPr>
-          <p:nvPr>
-            <p:ph type="title"/>
-          </p:nvPr>
-        </p:nvSpPr>
-        <p:spPr/>
-        <p:txBody>
-          <a:bodyPr/>
-          <a:lstStyle/>
-          <a:p>
-            <a:endParaRPr lang="fr-FR"/>
-          </a:p>
-        </p:txBody>
-      </p:sp>
-      <p:sp>
-        <p:nvSpPr>
-          <p:cNvPr id="7" name="Espace réservé du contenu 6">
-            <a:extLst>
-              <a:ext uri="{FF2B5EF4-FFF2-40B4-BE49-F238E27FC236}">
-                <a16:creationId xmlns:a16="http://schemas.microsoft.com/office/drawing/2014/main" id="{CAF21DBF-B421-4497-9D0C-D8F25EC01436}"/>
-              </a:ext>
-            </a:extLst>
-          </p:cNvPr>
-          <p:cNvSpPr>
-            <a:spLocks noGrp="1"/>
-          </p:cNvSpPr>
-          <p:nvPr>
-            <p:ph idx="1"/>
-          </p:nvPr>
-        </p:nvSpPr>
-        <p:spPr/>
-        <p:txBody>
-          <a:bodyPr/>
-          <a:lstStyle/>
-          <a:p>
-            <a:endParaRPr lang="fr-FR"/>
-          </a:p>
-        </p:txBody>
-      </p:sp>
       <p:pic>
         <p:nvPicPr>
-          <p:cNvPr id="2050" name="Picture 2">
-            <a:extLst>
-              <a:ext uri="{FF2B5EF4-FFF2-40B4-BE49-F238E27FC236}">
-                <a16:creationId xmlns:a16="http://schemas.microsoft.com/office/drawing/2014/main" id="{833DF61F-82FD-4B3B-8162-72A7FA61BD1E}"/>
+          <p:cNvPr id="5" name="Image 4">
+            <a:extLst>
+              <a:ext uri="{FF2B5EF4-FFF2-40B4-BE49-F238E27FC236}">
+                <a16:creationId xmlns:a16="http://schemas.microsoft.com/office/drawing/2014/main" id="{5C48AEDA-6849-4693-A6A4-73ADD59BBABE}"/>
               </a:ext>
             </a:extLst>
           </p:cNvPr>
           <p:cNvPicPr>
-            <a:picLocks noChangeAspect="1" noChangeArrowheads="1"/>
+            <a:picLocks noChangeAspect="1"/>
           </p:cNvPicPr>
           <p:nvPr/>
         </p:nvPicPr>
@@ -5472,35 +5358,24 @@
               </a:ext>
             </a:extLst>
           </a:blip>
-          <a:srcRect/>
           <a:stretch>
             <a:fillRect/>
           </a:stretch>
         </p:blipFill>
-        <p:spPr bwMode="auto">
+        <p:spPr>
           <a:xfrm>
-            <a:off x="868363" y="0"/>
-            <a:ext cx="10453687" cy="6858000"/>
+            <a:off x="1117369" y="0"/>
+            <a:ext cx="9957261" cy="6858000"/>
           </a:xfrm>
           <a:prstGeom prst="rect">
             <a:avLst/>
           </a:prstGeom>
-          <a:noFill/>
-          <a:extLst>
-            <a:ext uri="{909E8E84-426E-40DD-AFC4-6F175D3DCCD1}">
-              <a14:hiddenFill xmlns:a14="http://schemas.microsoft.com/office/drawing/2010/main">
-                <a:solidFill>
-                  <a:srgbClr val="FFFFFF"/>
-                </a:solidFill>
-              </a14:hiddenFill>
-            </a:ext>
-          </a:extLst>
         </p:spPr>
       </p:pic>
     </p:spTree>
     <p:extLst>
       <p:ext uri="{BB962C8B-B14F-4D97-AF65-F5344CB8AC3E}">
-        <p14:creationId xmlns:p14="http://schemas.microsoft.com/office/powerpoint/2010/main" val="3716515621"/>
+        <p14:creationId xmlns:p14="http://schemas.microsoft.com/office/powerpoint/2010/main" val="22006176"/>
       </p:ext>
     </p:extLst>
   </p:cSld>
@@ -6395,65 +6270,12 @@
           <a:chExt cx="0" cy="0"/>
         </a:xfrm>
       </p:grpSpPr>
-      <p:sp>
-        <p:nvSpPr>
-          <p:cNvPr id="5" name="Espace réservé du contenu 4">
-            <a:extLst>
-              <a:ext uri="{FF2B5EF4-FFF2-40B4-BE49-F238E27FC236}">
-                <a16:creationId xmlns:a16="http://schemas.microsoft.com/office/drawing/2014/main" id="{B96B809A-006A-49F8-A1DB-B9F64E8BB909}"/>
-              </a:ext>
-            </a:extLst>
-          </p:cNvPr>
-          <p:cNvSpPr>
-            <a:spLocks noGrp="1"/>
-          </p:cNvSpPr>
-          <p:nvPr>
-            <p:ph idx="1"/>
-          </p:nvPr>
-        </p:nvSpPr>
-        <p:spPr/>
-        <p:txBody>
-          <a:bodyPr/>
-          <a:lstStyle/>
-          <a:p>
-            <a:pPr marL="0" indent="0">
-              <a:buNone/>
-            </a:pPr>
-            <a:endParaRPr lang="fr-FR" dirty="0"/>
-          </a:p>
-        </p:txBody>
-      </p:sp>
-      <p:sp>
-        <p:nvSpPr>
-          <p:cNvPr id="7" name="Titre 6">
-            <a:extLst>
-              <a:ext uri="{FF2B5EF4-FFF2-40B4-BE49-F238E27FC236}">
-                <a16:creationId xmlns:a16="http://schemas.microsoft.com/office/drawing/2014/main" id="{4C5D5297-079E-4F82-B2A2-B9DA9AC06BAA}"/>
-              </a:ext>
-            </a:extLst>
-          </p:cNvPr>
-          <p:cNvSpPr>
-            <a:spLocks noGrp="1"/>
-          </p:cNvSpPr>
-          <p:nvPr>
-            <p:ph type="title"/>
-          </p:nvPr>
-        </p:nvSpPr>
-        <p:spPr/>
-        <p:txBody>
-          <a:bodyPr/>
-          <a:lstStyle/>
-          <a:p>
-            <a:endParaRPr lang="fr-FR"/>
-          </a:p>
-        </p:txBody>
-      </p:sp>
       <p:pic>
         <p:nvPicPr>
-          <p:cNvPr id="1026" name="Picture 2">
-            <a:extLst>
-              <a:ext uri="{FF2B5EF4-FFF2-40B4-BE49-F238E27FC236}">
-                <a16:creationId xmlns:a16="http://schemas.microsoft.com/office/drawing/2014/main" id="{2C0CE56B-67A3-495A-A83E-D2E35C5B80C9}"/>
+          <p:cNvPr id="2" name="Picture 2">
+            <a:extLst>
+              <a:ext uri="{FF2B5EF4-FFF2-40B4-BE49-F238E27FC236}">
+                <a16:creationId xmlns:a16="http://schemas.microsoft.com/office/drawing/2014/main" id="{069EDF1F-192A-4322-9635-85E7ACA12D0C}"/>
               </a:ext>
             </a:extLst>
           </p:cNvPr>
@@ -6498,7 +6320,7 @@
     </p:spTree>
     <p:extLst>
       <p:ext uri="{BB962C8B-B14F-4D97-AF65-F5344CB8AC3E}">
-        <p14:creationId xmlns:p14="http://schemas.microsoft.com/office/powerpoint/2010/main" val="2891427266"/>
+        <p14:creationId xmlns:p14="http://schemas.microsoft.com/office/powerpoint/2010/main" val="3441057250"/>
       </p:ext>
     </p:extLst>
   </p:cSld>
